--- a/PROJET/Presentation/PRE_15-12-10_V2.pptx
+++ b/PROJET/Presentation/PRE_15-12-10_V2.pptx
@@ -5,7 +5,7 @@
     <p:sldMasterId id="2147483708" r:id="rId1"/>
   </p:sldMasterIdLst>
   <p:notesMasterIdLst>
-    <p:notesMasterId r:id="rId20"/>
+    <p:notesMasterId r:id="rId22"/>
   </p:notesMasterIdLst>
   <p:sldIdLst>
     <p:sldId id="259" r:id="rId2"/>
@@ -20,12 +20,14 @@
     <p:sldId id="271" r:id="rId11"/>
     <p:sldId id="272" r:id="rId12"/>
     <p:sldId id="273" r:id="rId13"/>
-    <p:sldId id="265" r:id="rId14"/>
-    <p:sldId id="266" r:id="rId15"/>
-    <p:sldId id="269" r:id="rId16"/>
-    <p:sldId id="267" r:id="rId17"/>
-    <p:sldId id="270" r:id="rId18"/>
-    <p:sldId id="268" r:id="rId19"/>
+    <p:sldId id="274" r:id="rId14"/>
+    <p:sldId id="275" r:id="rId15"/>
+    <p:sldId id="276" r:id="rId16"/>
+    <p:sldId id="266" r:id="rId17"/>
+    <p:sldId id="269" r:id="rId18"/>
+    <p:sldId id="267" r:id="rId19"/>
+    <p:sldId id="270" r:id="rId20"/>
+    <p:sldId id="268" r:id="rId21"/>
   </p:sldIdLst>
   <p:sldSz cx="9144000" cy="6858000" type="screen4x3"/>
   <p:notesSz cx="6858000" cy="9144000"/>
@@ -129,40 +131,18 @@
 
 <file path=ppt/charts/chart1.xml><?xml version="1.0" encoding="utf-8"?>
 <c:chartSpace xmlns:c="http://schemas.openxmlformats.org/drawingml/2006/chart" xmlns:a="http://schemas.openxmlformats.org/drawingml/2006/main" xmlns:r="http://schemas.openxmlformats.org/officeDocument/2006/relationships">
-  <c:date1904 val="0"/>
   <c:lang val="fr-FR"/>
-  <c:roundedCorners val="0"/>
-  <mc:AlternateContent xmlns:mc="http://schemas.openxmlformats.org/markup-compatibility/2006">
-    <mc:Choice xmlns:c14="http://schemas.microsoft.com/office/drawing/2007/8/2/chart" Requires="c14">
-      <c14:style val="118"/>
-    </mc:Choice>
-    <mc:Fallback>
-      <c:style val="18"/>
-    </mc:Fallback>
-  </mc:AlternateContent>
+  <c:style val="18"/>
   <c:chart>
     <c:autoTitleDeleted val="1"/>
     <c:view3D>
-      <c:rotX val="15"/>
-      <c:rotY val="20"/>
-      <c:rAngAx val="0"/>
       <c:perspective val="30"/>
     </c:view3D>
-    <c:floor>
-      <c:thickness val="0"/>
-    </c:floor>
-    <c:sideWall>
-      <c:thickness val="0"/>
-    </c:sideWall>
-    <c:backWall>
-      <c:thickness val="0"/>
-    </c:backWall>
     <c:plotArea>
       <c:layout/>
       <c:bar3DChart>
         <c:barDir val="bar"/>
         <c:grouping val="clustered"/>
-        <c:varyColors val="0"/>
         <c:ser>
           <c:idx val="0"/>
           <c:order val="0"/>
@@ -177,7 +157,6 @@
               </c:strCache>
             </c:strRef>
           </c:tx>
-          <c:invertIfNegative val="0"/>
           <c:cat>
             <c:strRef>
               <c:f>Feuil1!$A$2:$A$8</c:f>
@@ -252,7 +231,6 @@
               </c:strCache>
             </c:strRef>
           </c:tx>
-          <c:invertIfNegative val="0"/>
           <c:cat>
             <c:strRef>
               <c:f>Feuil1!$A$2:$A$8</c:f>
@@ -327,7 +305,6 @@
               </c:strCache>
             </c:strRef>
           </c:tx>
-          <c:invertIfNegative val="0"/>
           <c:cat>
             <c:strRef>
               <c:f>Feuil1!$A$2:$A$8</c:f>
@@ -364,10 +341,10 @@
                 <c:formatCode>0.0</c:formatCode>
                 <c:ptCount val="7"/>
                 <c:pt idx="0">
-                  <c:v>11.428571428571429</c:v>
+                  <c:v>11.428571428571425</c:v>
                 </c:pt>
                 <c:pt idx="1">
-                  <c:v>2.1428571428571428</c:v>
+                  <c:v>2.1428571428571432</c:v>
                 </c:pt>
                 <c:pt idx="2">
                   <c:v>11.571428571428571</c:v>
@@ -376,51 +353,42 @@
                   <c:v>8.5714285714285712</c:v>
                 </c:pt>
                 <c:pt idx="4">
-                  <c:v>3.1428571428571428</c:v>
+                  <c:v>3.1428571428571432</c:v>
                 </c:pt>
                 <c:pt idx="5">
                   <c:v>3</c:v>
                 </c:pt>
                 <c:pt idx="6">
-                  <c:v>2.1428571428571428</c:v>
+                  <c:v>2.1428571428571432</c:v>
                 </c:pt>
               </c:numCache>
             </c:numRef>
           </c:val>
         </c:ser>
         <c:dLbls>
-          <c:showLegendKey val="0"/>
           <c:showVal val="1"/>
-          <c:showCatName val="0"/>
-          <c:showSerName val="0"/>
-          <c:showPercent val="0"/>
-          <c:showBubbleSize val="0"/>
         </c:dLbls>
-        <c:gapWidth val="150"/>
         <c:shape val="box"/>
-        <c:axId val="85095424"/>
-        <c:axId val="73729152"/>
+        <c:axId val="92539136"/>
+        <c:axId val="92553216"/>
         <c:axId val="0"/>
       </c:bar3DChart>
       <c:catAx>
-        <c:axId val="85095424"/>
+        <c:axId val="92539136"/>
         <c:scaling>
           <c:orientation val="minMax"/>
         </c:scaling>
-        <c:delete val="0"/>
         <c:axPos val="l"/>
         <c:majorTickMark val="none"/>
-        <c:minorTickMark val="none"/>
         <c:tickLblPos val="nextTo"/>
-        <c:crossAx val="73729152"/>
+        <c:crossAx val="92553216"/>
         <c:crosses val="autoZero"/>
         <c:auto val="1"/>
         <c:lblAlgn val="ctr"/>
         <c:lblOffset val="100"/>
-        <c:noMultiLvlLbl val="0"/>
       </c:catAx>
       <c:valAx>
-        <c:axId val="73729152"/>
+        <c:axId val="92553216"/>
         <c:scaling>
           <c:orientation val="minMax"/>
         </c:scaling>
@@ -428,9 +396,8 @@
         <c:axPos val="b"/>
         <c:numFmt formatCode="0.0" sourceLinked="1"/>
         <c:majorTickMark val="none"/>
-        <c:minorTickMark val="none"/>
-        <c:tickLblPos val="nextTo"/>
-        <c:crossAx val="85095424"/>
+        <c:tickLblPos val="none"/>
+        <c:crossAx val="92539136"/>
         <c:crosses val="autoZero"/>
         <c:crossBetween val="between"/>
       </c:valAx>
@@ -438,15 +405,11 @@
     <c:legend>
       <c:legendPos val="t"/>
       <c:layout/>
-      <c:overlay val="0"/>
     </c:legend>
     <c:plotVisOnly val="1"/>
     <c:dispBlanksAs val="gap"/>
-    <c:showDLblsOverMax val="0"/>
   </c:chart>
-  <c:externalData r:id="rId1">
-    <c:autoUpdate val="0"/>
-  </c:externalData>
+  <c:externalData r:id="rId1"/>
 </c:chartSpace>
 </file>
 
@@ -532,6 +495,7 @@
           <a:p>
             <a:fld id="{77BD4CDA-18EF-43DA-BA6F-DE9D3B5529C8}" type="datetimeFigureOut">
               <a:rPr lang="fr-FR" smtClean="0"/>
+              <a:pPr/>
               <a:t>15/12/2010</a:t>
             </a:fld>
             <a:endParaRPr lang="fr-FR"/>
@@ -691,6 +655,7 @@
           <a:p>
             <a:fld id="{E68E5354-11F9-4EDC-B8B8-75D33149D345}" type="slidenum">
               <a:rPr lang="fr-FR" smtClean="0"/>
+              <a:pPr/>
               <a:t>‹N°›</a:t>
             </a:fld>
             <a:endParaRPr lang="fr-FR"/>
@@ -700,7 +665,7 @@
     </p:spTree>
     <p:extLst>
       <p:ext uri="{BB962C8B-B14F-4D97-AF65-F5344CB8AC3E}">
-        <p14:creationId xmlns:p14="http://schemas.microsoft.com/office/powerpoint/2010/main" val="1493265261"/>
+        <p14:creationId xmlns:p14="http://schemas.microsoft.com/office/powerpoint/2010/main" xmlns="" val="1493265261"/>
       </p:ext>
     </p:extLst>
   </p:cSld>
@@ -865,6 +830,7 @@
           <a:p>
             <a:fld id="{E68E5354-11F9-4EDC-B8B8-75D33149D345}" type="slidenum">
               <a:rPr lang="fr-FR" smtClean="0"/>
+              <a:pPr/>
               <a:t>1</a:t>
             </a:fld>
             <a:endParaRPr lang="fr-FR"/>
@@ -874,7 +840,7 @@
     </p:spTree>
     <p:extLst>
       <p:ext uri="{BB962C8B-B14F-4D97-AF65-F5344CB8AC3E}">
-        <p14:creationId xmlns:p14="http://schemas.microsoft.com/office/powerpoint/2010/main" val="2030216051"/>
+        <p14:creationId xmlns:p14="http://schemas.microsoft.com/office/powerpoint/2010/main" xmlns="" val="2030216051"/>
       </p:ext>
     </p:extLst>
   </p:cSld>
@@ -949,6 +915,7 @@
           <a:p>
             <a:fld id="{E68E5354-11F9-4EDC-B8B8-75D33149D345}" type="slidenum">
               <a:rPr lang="fr-FR" smtClean="0"/>
+              <a:pPr/>
               <a:t>13</a:t>
             </a:fld>
             <a:endParaRPr lang="fr-FR"/>
@@ -958,7 +925,7 @@
     </p:spTree>
     <p:extLst>
       <p:ext uri="{BB962C8B-B14F-4D97-AF65-F5344CB8AC3E}">
-        <p14:creationId xmlns:p14="http://schemas.microsoft.com/office/powerpoint/2010/main" val="835572826"/>
+        <p14:creationId xmlns="" xmlns:p14="http://schemas.microsoft.com/office/powerpoint/2010/main" val="835572826"/>
       </p:ext>
     </p:extLst>
   </p:cSld>
@@ -1033,7 +1000,8 @@
           <a:p>
             <a:fld id="{E68E5354-11F9-4EDC-B8B8-75D33149D345}" type="slidenum">
               <a:rPr lang="fr-FR" smtClean="0"/>
-              <a:t>14</a:t>
+              <a:pPr/>
+              <a:t>16</a:t>
             </a:fld>
             <a:endParaRPr lang="fr-FR"/>
           </a:p>
@@ -1042,7 +1010,7 @@
     </p:spTree>
     <p:extLst>
       <p:ext uri="{BB962C8B-B14F-4D97-AF65-F5344CB8AC3E}">
-        <p14:creationId xmlns:p14="http://schemas.microsoft.com/office/powerpoint/2010/main" val="835572826"/>
+        <p14:creationId xmlns:p14="http://schemas.microsoft.com/office/powerpoint/2010/main" xmlns="" val="835572826"/>
       </p:ext>
     </p:extLst>
   </p:cSld>
@@ -1117,7 +1085,8 @@
           <a:p>
             <a:fld id="{E68E5354-11F9-4EDC-B8B8-75D33149D345}" type="slidenum">
               <a:rPr lang="fr-FR" smtClean="0"/>
-              <a:t>16</a:t>
+              <a:pPr/>
+              <a:t>18</a:t>
             </a:fld>
             <a:endParaRPr lang="fr-FR"/>
           </a:p>
@@ -1126,7 +1095,7 @@
     </p:spTree>
     <p:extLst>
       <p:ext uri="{BB962C8B-B14F-4D97-AF65-F5344CB8AC3E}">
-        <p14:creationId xmlns:p14="http://schemas.microsoft.com/office/powerpoint/2010/main" val="835572826"/>
+        <p14:creationId xmlns:p14="http://schemas.microsoft.com/office/powerpoint/2010/main" xmlns="" val="835572826"/>
       </p:ext>
     </p:extLst>
   </p:cSld>
@@ -1201,6 +1170,7 @@
           <a:p>
             <a:fld id="{E68E5354-11F9-4EDC-B8B8-75D33149D345}" type="slidenum">
               <a:rPr lang="fr-FR" smtClean="0"/>
+              <a:pPr/>
               <a:t>2</a:t>
             </a:fld>
             <a:endParaRPr lang="fr-FR"/>
@@ -1210,7 +1180,7 @@
     </p:spTree>
     <p:extLst>
       <p:ext uri="{BB962C8B-B14F-4D97-AF65-F5344CB8AC3E}">
-        <p14:creationId xmlns:p14="http://schemas.microsoft.com/office/powerpoint/2010/main" val="1436837154"/>
+        <p14:creationId xmlns:p14="http://schemas.microsoft.com/office/powerpoint/2010/main" xmlns="" val="1436837154"/>
       </p:ext>
     </p:extLst>
   </p:cSld>
@@ -1285,6 +1255,7 @@
           <a:p>
             <a:fld id="{E68E5354-11F9-4EDC-B8B8-75D33149D345}" type="slidenum">
               <a:rPr lang="fr-FR" smtClean="0"/>
+              <a:pPr/>
               <a:t>3</a:t>
             </a:fld>
             <a:endParaRPr lang="fr-FR"/>
@@ -1294,7 +1265,7 @@
     </p:spTree>
     <p:extLst>
       <p:ext uri="{BB962C8B-B14F-4D97-AF65-F5344CB8AC3E}">
-        <p14:creationId xmlns:p14="http://schemas.microsoft.com/office/powerpoint/2010/main" val="2883505231"/>
+        <p14:creationId xmlns:p14="http://schemas.microsoft.com/office/powerpoint/2010/main" xmlns="" val="2883505231"/>
       </p:ext>
     </p:extLst>
   </p:cSld>
@@ -1369,6 +1340,7 @@
           <a:p>
             <a:fld id="{E68E5354-11F9-4EDC-B8B8-75D33149D345}" type="slidenum">
               <a:rPr lang="fr-FR" smtClean="0"/>
+              <a:pPr/>
               <a:t>4</a:t>
             </a:fld>
             <a:endParaRPr lang="fr-FR"/>
@@ -1378,7 +1350,7 @@
     </p:spTree>
     <p:extLst>
       <p:ext uri="{BB962C8B-B14F-4D97-AF65-F5344CB8AC3E}">
-        <p14:creationId xmlns:p14="http://schemas.microsoft.com/office/powerpoint/2010/main" val="3193691238"/>
+        <p14:creationId xmlns:p14="http://schemas.microsoft.com/office/powerpoint/2010/main" xmlns="" val="3193691238"/>
       </p:ext>
     </p:extLst>
   </p:cSld>
@@ -1453,6 +1425,7 @@
           <a:p>
             <a:fld id="{E68E5354-11F9-4EDC-B8B8-75D33149D345}" type="slidenum">
               <a:rPr lang="fr-FR" smtClean="0"/>
+              <a:pPr/>
               <a:t>5</a:t>
             </a:fld>
             <a:endParaRPr lang="fr-FR"/>
@@ -1462,7 +1435,7 @@
     </p:spTree>
     <p:extLst>
       <p:ext uri="{BB962C8B-B14F-4D97-AF65-F5344CB8AC3E}">
-        <p14:creationId xmlns:p14="http://schemas.microsoft.com/office/powerpoint/2010/main" val="835572826"/>
+        <p14:creationId xmlns:p14="http://schemas.microsoft.com/office/powerpoint/2010/main" xmlns="" val="835572826"/>
       </p:ext>
     </p:extLst>
   </p:cSld>
@@ -1537,6 +1510,7 @@
           <a:p>
             <a:fld id="{E68E5354-11F9-4EDC-B8B8-75D33149D345}" type="slidenum">
               <a:rPr lang="fr-FR" smtClean="0"/>
+              <a:pPr/>
               <a:t>6</a:t>
             </a:fld>
             <a:endParaRPr lang="fr-FR"/>
@@ -1546,7 +1520,7 @@
     </p:spTree>
     <p:extLst>
       <p:ext uri="{BB962C8B-B14F-4D97-AF65-F5344CB8AC3E}">
-        <p14:creationId xmlns:p14="http://schemas.microsoft.com/office/powerpoint/2010/main" val="1938524456"/>
+        <p14:creationId xmlns:p14="http://schemas.microsoft.com/office/powerpoint/2010/main" xmlns="" val="1938524456"/>
       </p:ext>
     </p:extLst>
   </p:cSld>
@@ -1621,6 +1595,7 @@
           <a:p>
             <a:fld id="{E68E5354-11F9-4EDC-B8B8-75D33149D345}" type="slidenum">
               <a:rPr lang="fr-FR" smtClean="0"/>
+              <a:pPr/>
               <a:t>7</a:t>
             </a:fld>
             <a:endParaRPr lang="fr-FR"/>
@@ -1630,7 +1605,7 @@
     </p:spTree>
     <p:extLst>
       <p:ext uri="{BB962C8B-B14F-4D97-AF65-F5344CB8AC3E}">
-        <p14:creationId xmlns:p14="http://schemas.microsoft.com/office/powerpoint/2010/main" val="3302549185"/>
+        <p14:creationId xmlns:p14="http://schemas.microsoft.com/office/powerpoint/2010/main" xmlns="" val="3302549185"/>
       </p:ext>
     </p:extLst>
   </p:cSld>
@@ -1705,6 +1680,7 @@
           <a:p>
             <a:fld id="{E68E5354-11F9-4EDC-B8B8-75D33149D345}" type="slidenum">
               <a:rPr lang="fr-FR" smtClean="0"/>
+              <a:pPr/>
               <a:t>8</a:t>
             </a:fld>
             <a:endParaRPr lang="fr-FR"/>
@@ -1714,7 +1690,7 @@
     </p:spTree>
     <p:extLst>
       <p:ext uri="{BB962C8B-B14F-4D97-AF65-F5344CB8AC3E}">
-        <p14:creationId xmlns:p14="http://schemas.microsoft.com/office/powerpoint/2010/main" val="3680462072"/>
+        <p14:creationId xmlns:p14="http://schemas.microsoft.com/office/powerpoint/2010/main" xmlns="" val="3680462072"/>
       </p:ext>
     </p:extLst>
   </p:cSld>
@@ -1789,6 +1765,7 @@
           <a:p>
             <a:fld id="{E68E5354-11F9-4EDC-B8B8-75D33149D345}" type="slidenum">
               <a:rPr lang="fr-FR" smtClean="0"/>
+              <a:pPr/>
               <a:t>9</a:t>
             </a:fld>
             <a:endParaRPr lang="fr-FR"/>
@@ -1798,7 +1775,7 @@
     </p:spTree>
     <p:extLst>
       <p:ext uri="{BB962C8B-B14F-4D97-AF65-F5344CB8AC3E}">
-        <p14:creationId xmlns:p14="http://schemas.microsoft.com/office/powerpoint/2010/main" val="835572826"/>
+        <p14:creationId xmlns:p14="http://schemas.microsoft.com/office/powerpoint/2010/main" xmlns="" val="835572826"/>
       </p:ext>
     </p:extLst>
   </p:cSld>
@@ -4960,7 +4937,7 @@
     </p:spTree>
     <p:extLst>
       <p:ext uri="{BB962C8B-B14F-4D97-AF65-F5344CB8AC3E}">
-        <p14:creationId xmlns:p14="http://schemas.microsoft.com/office/powerpoint/2010/main" val="3269699347"/>
+        <p14:creationId xmlns:p14="http://schemas.microsoft.com/office/powerpoint/2010/main" xmlns="" val="3269699347"/>
       </p:ext>
     </p:extLst>
   </p:cSld>
@@ -5073,7 +5050,7 @@
     </p:spTree>
     <p:extLst>
       <p:ext uri="{BB962C8B-B14F-4D97-AF65-F5344CB8AC3E}">
-        <p14:creationId xmlns:p14="http://schemas.microsoft.com/office/powerpoint/2010/main" val="1748187907"/>
+        <p14:creationId xmlns:p14="http://schemas.microsoft.com/office/powerpoint/2010/main" xmlns="" val="1748187907"/>
       </p:ext>
     </p:extLst>
   </p:cSld>
@@ -5182,7 +5159,7 @@
     </p:spTree>
     <p:extLst>
       <p:ext uri="{BB962C8B-B14F-4D97-AF65-F5344CB8AC3E}">
-        <p14:creationId xmlns:p14="http://schemas.microsoft.com/office/powerpoint/2010/main" val="2780178568"/>
+        <p14:creationId xmlns:p14="http://schemas.microsoft.com/office/powerpoint/2010/main" xmlns="" val="2780178568"/>
       </p:ext>
     </p:extLst>
   </p:cSld>
@@ -5268,7 +5245,7 @@
     </p:spTree>
     <p:extLst>
       <p:ext uri="{BB962C8B-B14F-4D97-AF65-F5344CB8AC3E}">
-        <p14:creationId xmlns:p14="http://schemas.microsoft.com/office/powerpoint/2010/main" val="3492942045"/>
+        <p14:creationId xmlns:p14="http://schemas.microsoft.com/office/powerpoint/2010/main" xmlns="" val="3492942045"/>
       </p:ext>
     </p:extLst>
   </p:cSld>
@@ -5307,7 +5284,7 @@
         </p:nvSpPr>
         <p:spPr>
           <a:xfrm>
-            <a:off x="683568" y="2564904"/>
+            <a:off x="395536" y="2204864"/>
             <a:ext cx="7620000" cy="1143000"/>
           </a:xfrm>
         </p:spPr>
@@ -5324,6 +5301,17 @@
               <a:rPr lang="fr-FR" dirty="0" smtClean="0"/>
             </a:br>
             <a:r>
+              <a:rPr lang="fr-FR" dirty="0" smtClean="0"/>
+              <a:t/>
+            </a:r>
+            <a:br>
+              <a:rPr lang="fr-FR" dirty="0" smtClean="0"/>
+            </a:br>
+            <a:r>
+              <a:rPr lang="fr-FR" dirty="0" smtClean="0"/>
+              <a:t>Démonstration Jasper</a:t>
+            </a:r>
+            <a:r>
               <a:rPr lang="fr-FR" dirty="0"/>
               <a:t/>
             </a:r>
@@ -5331,26 +5319,8 @@
               <a:rPr lang="fr-FR" dirty="0"/>
             </a:br>
             <a:r>
-              <a:rPr lang="fr-FR" dirty="0" smtClean="0"/>
-              <a:t/>
-            </a:r>
-            <a:br>
-              <a:rPr lang="fr-FR" dirty="0" smtClean="0"/>
-            </a:br>
-            <a:r>
-              <a:rPr lang="fr-FR" dirty="0" smtClean="0"/>
-              <a:t>Démonstration</a:t>
-            </a:r>
-            <a:r>
-              <a:rPr lang="fr-FR" dirty="0"/>
-              <a:t/>
-            </a:r>
-            <a:br>
-              <a:rPr lang="fr-FR" dirty="0"/>
-            </a:br>
-            <a:r>
               <a:rPr lang="fr-FR" sz="3200" dirty="0"/>
-              <a:t>Sas				Jasper</a:t>
+              <a:t>			</a:t>
             </a:r>
             <a:r>
               <a:rPr lang="fr-FR" sz="3200" dirty="0" smtClean="0"/>
@@ -5413,10 +5383,232 @@
           </a:p>
         </p:txBody>
       </p:sp>
+      <p:sp>
+        <p:nvSpPr>
+          <p:cNvPr id="4" name="Titre 1"/>
+          <p:cNvSpPr txBox="1">
+            <a:spLocks/>
+          </p:cNvSpPr>
+          <p:nvPr/>
+        </p:nvSpPr>
+        <p:spPr>
+          <a:xfrm>
+            <a:off x="395536" y="3573016"/>
+            <a:ext cx="7620000" cy="1143000"/>
+          </a:xfrm>
+          <a:prstGeom prst="rect">
+            <a:avLst/>
+          </a:prstGeom>
+        </p:spPr>
+        <p:txBody>
+          <a:bodyPr vert="horz" lIns="91440" tIns="45720" rIns="91440" bIns="45720" rtlCol="0" anchor="ctr">
+            <a:noAutofit/>
+          </a:bodyPr>
+          <a:lstStyle/>
+          <a:p>
+            <a:pPr marL="0" marR="0" lvl="0" indent="0" algn="ctr" defTabSz="914400" rtl="0" eaLnBrk="1" fontAlgn="auto" latinLnBrk="0" hangingPunct="1">
+              <a:lnSpc>
+                <a:spcPct val="100000"/>
+              </a:lnSpc>
+              <a:spcBef>
+                <a:spcPct val="0"/>
+              </a:spcBef>
+              <a:spcAft>
+                <a:spcPts val="0"/>
+              </a:spcAft>
+              <a:buClrTx/>
+              <a:buSzTx/>
+              <a:buFontTx/>
+              <a:buNone/>
+              <a:tabLst/>
+              <a:defRPr/>
+            </a:pPr>
+            <a:r>
+              <a:rPr kumimoji="0" lang="fr-FR" sz="4600" b="0" i="0" u="none" strike="noStrike" kern="1200" cap="none" spc="-100" normalizeH="0" baseline="0" noProof="0" dirty="0" smtClean="0">
+                <a:ln>
+                  <a:noFill/>
+                </a:ln>
+                <a:solidFill>
+                  <a:schemeClr val="tx2"/>
+                </a:solidFill>
+                <a:effectLst/>
+                <a:uLnTx/>
+                <a:uFillTx/>
+                <a:latin typeface="+mj-lt"/>
+                <a:ea typeface="+mj-ea"/>
+                <a:cs typeface="+mj-cs"/>
+              </a:rPr>
+              <a:t/>
+            </a:r>
+            <a:br>
+              <a:rPr kumimoji="0" lang="fr-FR" sz="4600" b="0" i="0" u="none" strike="noStrike" kern="1200" cap="none" spc="-100" normalizeH="0" baseline="0" noProof="0" dirty="0" smtClean="0">
+                <a:ln>
+                  <a:noFill/>
+                </a:ln>
+                <a:solidFill>
+                  <a:schemeClr val="tx2"/>
+                </a:solidFill>
+                <a:effectLst/>
+                <a:uLnTx/>
+                <a:uFillTx/>
+                <a:latin typeface="+mj-lt"/>
+                <a:ea typeface="+mj-ea"/>
+                <a:cs typeface="+mj-cs"/>
+              </a:rPr>
+            </a:br>
+            <a:r>
+              <a:rPr kumimoji="0" lang="fr-FR" sz="4600" b="0" i="0" u="none" strike="noStrike" kern="1200" cap="none" spc="-100" normalizeH="0" baseline="0" noProof="0" dirty="0" smtClean="0">
+                <a:ln>
+                  <a:noFill/>
+                </a:ln>
+                <a:solidFill>
+                  <a:schemeClr val="tx2"/>
+                </a:solidFill>
+                <a:effectLst/>
+                <a:uLnTx/>
+                <a:uFillTx/>
+                <a:latin typeface="+mj-lt"/>
+                <a:ea typeface="+mj-ea"/>
+                <a:cs typeface="+mj-cs"/>
+              </a:rPr>
+              <a:t/>
+            </a:r>
+            <a:br>
+              <a:rPr kumimoji="0" lang="fr-FR" sz="4600" b="0" i="0" u="none" strike="noStrike" kern="1200" cap="none" spc="-100" normalizeH="0" baseline="0" noProof="0" dirty="0" smtClean="0">
+                <a:ln>
+                  <a:noFill/>
+                </a:ln>
+                <a:solidFill>
+                  <a:schemeClr val="tx2"/>
+                </a:solidFill>
+                <a:effectLst/>
+                <a:uLnTx/>
+                <a:uFillTx/>
+                <a:latin typeface="+mj-lt"/>
+                <a:ea typeface="+mj-ea"/>
+                <a:cs typeface="+mj-cs"/>
+              </a:rPr>
+            </a:br>
+            <a:r>
+              <a:rPr kumimoji="0" lang="fr-FR" sz="4600" b="0" i="0" u="none" strike="noStrike" kern="1200" cap="none" spc="-100" normalizeH="0" baseline="0" noProof="0" dirty="0" smtClean="0">
+                <a:ln>
+                  <a:noFill/>
+                </a:ln>
+                <a:solidFill>
+                  <a:schemeClr val="tx2"/>
+                </a:solidFill>
+                <a:effectLst/>
+                <a:uLnTx/>
+                <a:uFillTx/>
+                <a:latin typeface="+mj-lt"/>
+                <a:ea typeface="+mj-ea"/>
+                <a:cs typeface="+mj-cs"/>
+              </a:rPr>
+              <a:t>SAS</a:t>
+            </a:r>
+            <a:br>
+              <a:rPr kumimoji="0" lang="fr-FR" sz="4600" b="0" i="0" u="none" strike="noStrike" kern="1200" cap="none" spc="-100" normalizeH="0" baseline="0" noProof="0" dirty="0" smtClean="0">
+                <a:ln>
+                  <a:noFill/>
+                </a:ln>
+                <a:solidFill>
+                  <a:schemeClr val="tx2"/>
+                </a:solidFill>
+                <a:effectLst/>
+                <a:uLnTx/>
+                <a:uFillTx/>
+                <a:latin typeface="+mj-lt"/>
+                <a:ea typeface="+mj-ea"/>
+                <a:cs typeface="+mj-cs"/>
+              </a:rPr>
+            </a:br>
+            <a:r>
+              <a:rPr kumimoji="0" lang="fr-FR" sz="3200" b="0" i="0" u="none" strike="noStrike" kern="1200" cap="none" spc="-100" normalizeH="0" baseline="0" noProof="0" dirty="0" smtClean="0">
+                <a:ln>
+                  <a:noFill/>
+                </a:ln>
+                <a:solidFill>
+                  <a:schemeClr val="tx2"/>
+                </a:solidFill>
+                <a:effectLst/>
+                <a:uLnTx/>
+                <a:uFillTx/>
+                <a:latin typeface="+mj-lt"/>
+                <a:ea typeface="+mj-ea"/>
+                <a:cs typeface="+mj-cs"/>
+              </a:rPr>
+              <a:t>			</a:t>
+            </a:r>
+            <a:br>
+              <a:rPr kumimoji="0" lang="fr-FR" sz="3200" b="0" i="0" u="none" strike="noStrike" kern="1200" cap="none" spc="-100" normalizeH="0" baseline="0" noProof="0" dirty="0" smtClean="0">
+                <a:ln>
+                  <a:noFill/>
+                </a:ln>
+                <a:solidFill>
+                  <a:schemeClr val="tx2"/>
+                </a:solidFill>
+                <a:effectLst/>
+                <a:uLnTx/>
+                <a:uFillTx/>
+                <a:latin typeface="+mj-lt"/>
+                <a:ea typeface="+mj-ea"/>
+                <a:cs typeface="+mj-cs"/>
+              </a:rPr>
+            </a:br>
+            <a:r>
+              <a:rPr kumimoji="0" lang="fr-FR" sz="3200" b="0" i="0" u="none" strike="noStrike" kern="1200" cap="none" spc="-100" normalizeH="0" baseline="0" noProof="0" dirty="0" smtClean="0">
+                <a:ln>
+                  <a:noFill/>
+                </a:ln>
+                <a:solidFill>
+                  <a:schemeClr val="tx2"/>
+                </a:solidFill>
+                <a:effectLst/>
+                <a:uLnTx/>
+                <a:uFillTx/>
+                <a:latin typeface="+mj-lt"/>
+                <a:ea typeface="+mj-ea"/>
+                <a:cs typeface="+mj-cs"/>
+              </a:rPr>
+              <a:t/>
+            </a:r>
+            <a:br>
+              <a:rPr kumimoji="0" lang="fr-FR" sz="3200" b="0" i="0" u="none" strike="noStrike" kern="1200" cap="none" spc="-100" normalizeH="0" baseline="0" noProof="0" dirty="0" smtClean="0">
+                <a:ln>
+                  <a:noFill/>
+                </a:ln>
+                <a:solidFill>
+                  <a:schemeClr val="tx2"/>
+                </a:solidFill>
+                <a:effectLst/>
+                <a:uLnTx/>
+                <a:uFillTx/>
+                <a:latin typeface="+mj-lt"/>
+                <a:ea typeface="+mj-ea"/>
+                <a:cs typeface="+mj-cs"/>
+              </a:rPr>
+            </a:br>
+            <a:endParaRPr kumimoji="0" lang="fr-FR" sz="3200" b="0" i="0" u="none" strike="noStrike" kern="1200" cap="none" spc="-100" normalizeH="0" baseline="0" noProof="0" dirty="0">
+              <a:ln>
+                <a:noFill/>
+              </a:ln>
+              <a:solidFill>
+                <a:schemeClr val="tx2"/>
+              </a:solidFill>
+              <a:effectLst/>
+              <a:uLnTx/>
+              <a:uFillTx/>
+              <a:latin typeface="+mj-lt"/>
+              <a:ea typeface="+mj-ea"/>
+              <a:cs typeface="+mj-cs"/>
+            </a:endParaRPr>
+          </a:p>
+        </p:txBody>
+      </p:sp>
     </p:spTree>
     <p:extLst>
       <p:ext uri="{BB962C8B-B14F-4D97-AF65-F5344CB8AC3E}">
-        <p14:creationId xmlns:p14="http://schemas.microsoft.com/office/powerpoint/2010/main" val="82885118"/>
+        <p14:creationId xmlns="" xmlns:p14="http://schemas.microsoft.com/office/powerpoint/2010/main" val="82885118"/>
       </p:ext>
     </p:extLst>
   </p:cSld>
@@ -5450,6 +5642,200 @@
           <a:chExt cx="0" cy="0"/>
         </a:xfrm>
       </p:grpSpPr>
+      <p:pic>
+        <p:nvPicPr>
+          <p:cNvPr id="2050" name="Picture 2"/>
+          <p:cNvPicPr>
+            <a:picLocks noChangeAspect="1" noChangeArrowheads="1"/>
+          </p:cNvPicPr>
+          <p:nvPr/>
+        </p:nvPicPr>
+        <p:blipFill>
+          <a:blip r:embed="rId2" cstate="print"/>
+          <a:srcRect/>
+          <a:stretch>
+            <a:fillRect/>
+          </a:stretch>
+        </p:blipFill>
+        <p:spPr bwMode="auto">
+          <a:xfrm>
+            <a:off x="323528" y="1844824"/>
+            <a:ext cx="8044322" cy="3168352"/>
+          </a:xfrm>
+          <a:prstGeom prst="rect">
+            <a:avLst/>
+          </a:prstGeom>
+          <a:noFill/>
+          <a:ln w="9525">
+            <a:noFill/>
+            <a:miter lim="800000"/>
+            <a:headEnd/>
+            <a:tailEnd/>
+          </a:ln>
+        </p:spPr>
+      </p:pic>
+      <p:sp>
+        <p:nvSpPr>
+          <p:cNvPr id="7" name="Titre 6"/>
+          <p:cNvSpPr>
+            <a:spLocks noGrp="1"/>
+          </p:cNvSpPr>
+          <p:nvPr>
+            <p:ph type="title"/>
+          </p:nvPr>
+        </p:nvSpPr>
+        <p:spPr/>
+        <p:txBody>
+          <a:bodyPr/>
+          <a:lstStyle/>
+          <a:p>
+            <a:r>
+              <a:rPr lang="fr-FR" sz="4000" dirty="0" smtClean="0"/>
+              <a:t>SAS: Réalisation Tableaux </a:t>
+            </a:r>
+            <a:endParaRPr lang="fr-FR" sz="4000" dirty="0"/>
+          </a:p>
+        </p:txBody>
+      </p:sp>
+    </p:spTree>
+  </p:cSld>
+  <p:clrMapOvr>
+    <a:masterClrMapping/>
+  </p:clrMapOvr>
+</p:sld>
+</file>
+
+<file path=ppt/slides/slide15.xml><?xml version="1.0" encoding="utf-8"?>
+<p:sld xmlns:a="http://schemas.openxmlformats.org/drawingml/2006/main" xmlns:r="http://schemas.openxmlformats.org/officeDocument/2006/relationships" xmlns:p="http://schemas.openxmlformats.org/presentationml/2006/main">
+  <p:cSld>
+    <p:spTree>
+      <p:nvGrpSpPr>
+        <p:cNvPr id="1" name=""/>
+        <p:cNvGrpSpPr/>
+        <p:nvPr/>
+      </p:nvGrpSpPr>
+      <p:grpSpPr>
+        <a:xfrm>
+          <a:off x="0" y="0"/>
+          <a:ext cx="0" cy="0"/>
+          <a:chOff x="0" y="0"/>
+          <a:chExt cx="0" cy="0"/>
+        </a:xfrm>
+      </p:grpSpPr>
+      <p:sp>
+        <p:nvSpPr>
+          <p:cNvPr id="2" name="Titre 1"/>
+          <p:cNvSpPr>
+            <a:spLocks noGrp="1"/>
+          </p:cNvSpPr>
+          <p:nvPr>
+            <p:ph type="title"/>
+          </p:nvPr>
+        </p:nvSpPr>
+        <p:spPr/>
+        <p:txBody>
+          <a:bodyPr/>
+          <a:lstStyle/>
+          <a:p>
+            <a:r>
+              <a:rPr lang="fr-FR" sz="4000" dirty="0" smtClean="0"/>
+              <a:t>SAS: Réalisation d’une cartographie</a:t>
+            </a:r>
+            <a:endParaRPr lang="fr-FR" sz="4000" dirty="0"/>
+          </a:p>
+        </p:txBody>
+      </p:sp>
+      <p:pic>
+        <p:nvPicPr>
+          <p:cNvPr id="1026" name="Picture 2"/>
+          <p:cNvPicPr>
+            <a:picLocks noGrp="1" noChangeAspect="1" noChangeArrowheads="1"/>
+          </p:cNvPicPr>
+          <p:nvPr>
+            <p:ph idx="1"/>
+          </p:nvPr>
+        </p:nvPicPr>
+        <p:blipFill>
+          <a:blip r:embed="rId2" cstate="print"/>
+          <a:srcRect l="44991" t="16194" r="42724" b="65461"/>
+          <a:stretch>
+            <a:fillRect/>
+          </a:stretch>
+        </p:blipFill>
+        <p:spPr bwMode="auto">
+          <a:xfrm>
+            <a:off x="755576" y="2824133"/>
+            <a:ext cx="1728192" cy="1612979"/>
+          </a:xfrm>
+          <a:prstGeom prst="rect">
+            <a:avLst/>
+          </a:prstGeom>
+          <a:noFill/>
+          <a:ln w="9525">
+            <a:noFill/>
+            <a:miter lim="800000"/>
+            <a:headEnd/>
+            <a:tailEnd/>
+          </a:ln>
+        </p:spPr>
+      </p:pic>
+      <p:pic>
+        <p:nvPicPr>
+          <p:cNvPr id="1028" name="Picture 4"/>
+          <p:cNvPicPr>
+            <a:picLocks noChangeAspect="1" noChangeArrowheads="1"/>
+          </p:cNvPicPr>
+          <p:nvPr/>
+        </p:nvPicPr>
+        <p:blipFill>
+          <a:blip r:embed="rId3" cstate="print"/>
+          <a:srcRect/>
+          <a:stretch>
+            <a:fillRect/>
+          </a:stretch>
+        </p:blipFill>
+        <p:spPr bwMode="auto">
+          <a:xfrm>
+            <a:off x="2843807" y="1340768"/>
+            <a:ext cx="5040561" cy="4968552"/>
+          </a:xfrm>
+          <a:prstGeom prst="rect">
+            <a:avLst/>
+          </a:prstGeom>
+          <a:noFill/>
+          <a:ln w="9525">
+            <a:noFill/>
+            <a:miter lim="800000"/>
+            <a:headEnd/>
+            <a:tailEnd/>
+          </a:ln>
+        </p:spPr>
+      </p:pic>
+    </p:spTree>
+  </p:cSld>
+  <p:clrMapOvr>
+    <a:masterClrMapping/>
+  </p:clrMapOvr>
+</p:sld>
+</file>
+
+<file path=ppt/slides/slide16.xml><?xml version="1.0" encoding="utf-8"?>
+<p:sld xmlns:a="http://schemas.openxmlformats.org/drawingml/2006/main" xmlns:r="http://schemas.openxmlformats.org/officeDocument/2006/relationships" xmlns:p="http://schemas.openxmlformats.org/presentationml/2006/main">
+  <p:cSld>
+    <p:spTree>
+      <p:nvGrpSpPr>
+        <p:cNvPr id="1" name=""/>
+        <p:cNvGrpSpPr/>
+        <p:nvPr/>
+      </p:nvGrpSpPr>
+      <p:grpSpPr>
+        <a:xfrm>
+          <a:off x="0" y="0"/>
+          <a:ext cx="0" cy="0"/>
+          <a:chOff x="0" y="0"/>
+          <a:chExt cx="0" cy="0"/>
+        </a:xfrm>
+      </p:grpSpPr>
       <p:sp>
         <p:nvSpPr>
           <p:cNvPr id="2" name="Titre 1"/>
@@ -5525,211 +5911,7 @@
     </p:spTree>
     <p:extLst>
       <p:ext uri="{BB962C8B-B14F-4D97-AF65-F5344CB8AC3E}">
-        <p14:creationId xmlns:p14="http://schemas.microsoft.com/office/powerpoint/2010/main" val="2279178242"/>
-      </p:ext>
-    </p:extLst>
-  </p:cSld>
-  <p:clrMapOvr>
-    <a:masterClrMapping/>
-  </p:clrMapOvr>
-  <p:timing>
-    <p:tnLst>
-      <p:par>
-        <p:cTn id="1" dur="indefinite" restart="never" nodeType="tmRoot"/>
-      </p:par>
-    </p:tnLst>
-  </p:timing>
-</p:sld>
-</file>
-
-<file path=ppt/slides/slide15.xml><?xml version="1.0" encoding="utf-8"?>
-<p:sld xmlns:a="http://schemas.openxmlformats.org/drawingml/2006/main" xmlns:r="http://schemas.openxmlformats.org/officeDocument/2006/relationships" xmlns:p="http://schemas.openxmlformats.org/presentationml/2006/main">
-  <p:cSld>
-    <p:spTree>
-      <p:nvGrpSpPr>
-        <p:cNvPr id="1" name=""/>
-        <p:cNvGrpSpPr/>
-        <p:nvPr/>
-      </p:nvGrpSpPr>
-      <p:grpSpPr>
-        <a:xfrm>
-          <a:off x="0" y="0"/>
-          <a:ext cx="0" cy="0"/>
-          <a:chOff x="0" y="0"/>
-          <a:chExt cx="0" cy="0"/>
-        </a:xfrm>
-      </p:grpSpPr>
-      <p:sp>
-        <p:nvSpPr>
-          <p:cNvPr id="2" name="Titre 1"/>
-          <p:cNvSpPr>
-            <a:spLocks noGrp="1"/>
-          </p:cNvSpPr>
-          <p:nvPr>
-            <p:ph type="title"/>
-          </p:nvPr>
-        </p:nvSpPr>
-        <p:spPr/>
-        <p:txBody>
-          <a:bodyPr/>
-          <a:lstStyle/>
-          <a:p>
-            <a:r>
-              <a:rPr lang="fr-FR" dirty="0" smtClean="0"/>
-              <a:t>Recettes</a:t>
-            </a:r>
-            <a:endParaRPr lang="fr-FR" dirty="0"/>
-          </a:p>
-        </p:txBody>
-      </p:sp>
-      <p:sp>
-        <p:nvSpPr>
-          <p:cNvPr id="3" name="Espace réservé du contenu 2"/>
-          <p:cNvSpPr>
-            <a:spLocks noGrp="1"/>
-          </p:cNvSpPr>
-          <p:nvPr>
-            <p:ph idx="1"/>
-          </p:nvPr>
-        </p:nvSpPr>
-        <p:spPr/>
-        <p:txBody>
-          <a:bodyPr/>
-          <a:lstStyle/>
-          <a:p>
-            <a:r>
-              <a:rPr lang="fr-FR" dirty="0" smtClean="0"/>
-              <a:t>Liste des scénarios à faire</a:t>
-            </a:r>
-          </a:p>
-          <a:p>
-            <a:endParaRPr lang="fr-FR" dirty="0"/>
-          </a:p>
-          <a:p>
-            <a:endParaRPr lang="fr-FR" dirty="0" smtClean="0"/>
-          </a:p>
-          <a:p>
-            <a:r>
-              <a:rPr lang="fr-FR" dirty="0" smtClean="0"/>
-              <a:t>Réalisation de différents scénarios</a:t>
-            </a:r>
-            <a:endParaRPr lang="fr-FR" dirty="0"/>
-          </a:p>
-        </p:txBody>
-      </p:sp>
-    </p:spTree>
-    <p:extLst>
-      <p:ext uri="{BB962C8B-B14F-4D97-AF65-F5344CB8AC3E}">
-        <p14:creationId xmlns:p14="http://schemas.microsoft.com/office/powerpoint/2010/main" val="4017583197"/>
-      </p:ext>
-    </p:extLst>
-  </p:cSld>
-  <p:clrMapOvr>
-    <a:masterClrMapping/>
-  </p:clrMapOvr>
-  <p:timing>
-    <p:tnLst>
-      <p:par>
-        <p:cTn id="1" dur="indefinite" restart="never" nodeType="tmRoot"/>
-      </p:par>
-    </p:tnLst>
-  </p:timing>
-</p:sld>
-</file>
-
-<file path=ppt/slides/slide16.xml><?xml version="1.0" encoding="utf-8"?>
-<p:sld xmlns:a="http://schemas.openxmlformats.org/drawingml/2006/main" xmlns:r="http://schemas.openxmlformats.org/officeDocument/2006/relationships" xmlns:p="http://schemas.openxmlformats.org/presentationml/2006/main">
-  <p:cSld>
-    <p:spTree>
-      <p:nvGrpSpPr>
-        <p:cNvPr id="1" name=""/>
-        <p:cNvGrpSpPr/>
-        <p:nvPr/>
-      </p:nvGrpSpPr>
-      <p:grpSpPr>
-        <a:xfrm>
-          <a:off x="0" y="0"/>
-          <a:ext cx="0" cy="0"/>
-          <a:chOff x="0" y="0"/>
-          <a:chExt cx="0" cy="0"/>
-        </a:xfrm>
-      </p:grpSpPr>
-      <p:sp>
-        <p:nvSpPr>
-          <p:cNvPr id="2" name="Titre 1"/>
-          <p:cNvSpPr>
-            <a:spLocks noGrp="1"/>
-          </p:cNvSpPr>
-          <p:nvPr>
-            <p:ph type="title"/>
-          </p:nvPr>
-        </p:nvSpPr>
-        <p:spPr>
-          <a:xfrm>
-            <a:off x="683568" y="2564904"/>
-            <a:ext cx="7620000" cy="1143000"/>
-          </a:xfrm>
-        </p:spPr>
-        <p:txBody>
-          <a:bodyPr/>
-          <a:lstStyle/>
-          <a:p>
-            <a:pPr algn="ctr"/>
-            <a:r>
-              <a:rPr lang="fr-FR" dirty="0" smtClean="0"/>
-              <a:t>Architecture</a:t>
-            </a:r>
-            <a:endParaRPr lang="fr-FR" dirty="0"/>
-          </a:p>
-        </p:txBody>
-      </p:sp>
-      <p:sp>
-        <p:nvSpPr>
-          <p:cNvPr id="3" name="ZoneTexte 2"/>
-          <p:cNvSpPr txBox="1"/>
-          <p:nvPr/>
-        </p:nvSpPr>
-        <p:spPr>
-          <a:xfrm>
-            <a:off x="877394" y="4941168"/>
-            <a:ext cx="6840760" cy="369332"/>
-          </a:xfrm>
-          <a:prstGeom prst="rect">
-            <a:avLst/>
-          </a:prstGeom>
-        </p:spPr>
-        <p:style>
-          <a:lnRef idx="1">
-            <a:schemeClr val="accent2"/>
-          </a:lnRef>
-          <a:fillRef idx="3">
-            <a:schemeClr val="accent2"/>
-          </a:fillRef>
-          <a:effectRef idx="2">
-            <a:schemeClr val="accent2"/>
-          </a:effectRef>
-          <a:fontRef idx="minor">
-            <a:schemeClr val="lt1"/>
-          </a:fontRef>
-        </p:style>
-        <p:txBody>
-          <a:bodyPr wrap="square" rtlCol="0">
-            <a:spAutoFit/>
-          </a:bodyPr>
-          <a:lstStyle/>
-          <a:p>
-            <a:r>
-              <a:rPr lang="fr-FR" dirty="0" smtClean="0"/>
-              <a:t>Objectif : Développement de l’application</a:t>
-            </a:r>
-            <a:endParaRPr lang="fr-FR" dirty="0"/>
-          </a:p>
-        </p:txBody>
-      </p:sp>
-    </p:spTree>
-    <p:extLst>
-      <p:ext uri="{BB962C8B-B14F-4D97-AF65-F5344CB8AC3E}">
-        <p14:creationId xmlns:p14="http://schemas.microsoft.com/office/powerpoint/2010/main" val="2279178242"/>
+        <p14:creationId xmlns:p14="http://schemas.microsoft.com/office/powerpoint/2010/main" xmlns="" val="2279178242"/>
       </p:ext>
     </p:extLst>
   </p:cSld>
@@ -5780,7 +5962,7 @@
           <a:p>
             <a:r>
               <a:rPr lang="fr-FR" dirty="0" smtClean="0"/>
-              <a:t>Architecture</a:t>
+              <a:t>Recettes</a:t>
             </a:r>
             <a:endParaRPr lang="fr-FR" dirty="0"/>
           </a:p>
@@ -5803,55 +5985,28 @@
           <a:p>
             <a:r>
               <a:rPr lang="fr-FR" dirty="0" smtClean="0"/>
-              <a:t>Quelques bases</a:t>
-            </a:r>
-          </a:p>
-          <a:p>
-            <a:pPr lvl="1"/>
+              <a:t>Liste des scénarios à faire</a:t>
+            </a:r>
+          </a:p>
+          <a:p>
+            <a:endParaRPr lang="fr-FR" dirty="0"/>
+          </a:p>
+          <a:p>
+            <a:endParaRPr lang="fr-FR" dirty="0" smtClean="0"/>
+          </a:p>
+          <a:p>
             <a:r>
               <a:rPr lang="fr-FR" dirty="0" smtClean="0"/>
-              <a:t>MVC</a:t>
-            </a:r>
-          </a:p>
-          <a:p>
-            <a:pPr lvl="1"/>
-            <a:r>
-              <a:rPr lang="fr-FR" dirty="0" smtClean="0"/>
-              <a:t>ORM</a:t>
-            </a:r>
-          </a:p>
-          <a:p>
-            <a:pPr lvl="1"/>
+              <a:t>Réalisation de différents scénarios</a:t>
+            </a:r>
             <a:endParaRPr lang="fr-FR" dirty="0"/>
-          </a:p>
-          <a:p>
-            <a:pPr lvl="1"/>
-            <a:endParaRPr lang="fr-FR" dirty="0" smtClean="0"/>
-          </a:p>
-          <a:p>
-            <a:pPr lvl="1"/>
-            <a:endParaRPr lang="fr-FR" dirty="0"/>
-          </a:p>
-          <a:p>
-            <a:r>
-              <a:rPr lang="fr-FR" dirty="0" smtClean="0"/>
-              <a:t>Préparation intégration projets Sas/Jasper</a:t>
-            </a:r>
-          </a:p>
-          <a:p>
-            <a:pPr lvl="1"/>
-            <a:endParaRPr lang="fr-FR" dirty="0"/>
-          </a:p>
-          <a:p>
-            <a:pPr lvl="1"/>
-            <a:endParaRPr lang="fr-FR" dirty="0" smtClean="0"/>
           </a:p>
         </p:txBody>
       </p:sp>
     </p:spTree>
     <p:extLst>
       <p:ext uri="{BB962C8B-B14F-4D97-AF65-F5344CB8AC3E}">
-        <p14:creationId xmlns:p14="http://schemas.microsoft.com/office/powerpoint/2010/main" val="744936782"/>
+        <p14:creationId xmlns:p14="http://schemas.microsoft.com/office/powerpoint/2010/main" xmlns="" val="4017583197"/>
       </p:ext>
     </p:extLst>
   </p:cSld>
@@ -5895,14 +6050,20 @@
             <p:ph type="title"/>
           </p:nvPr>
         </p:nvSpPr>
-        <p:spPr/>
-        <p:txBody>
-          <a:bodyPr/>
-          <a:lstStyle/>
-          <a:p>
+        <p:spPr>
+          <a:xfrm>
+            <a:off x="683568" y="2564904"/>
+            <a:ext cx="7620000" cy="1143000"/>
+          </a:xfrm>
+        </p:spPr>
+        <p:txBody>
+          <a:bodyPr/>
+          <a:lstStyle/>
+          <a:p>
+            <a:pPr algn="ctr"/>
             <a:r>
               <a:rPr lang="fr-FR" dirty="0" smtClean="0"/>
-              <a:t>Bilan</a:t>
+              <a:t>Architecture</a:t>
             </a:r>
             <a:endParaRPr lang="fr-FR" dirty="0"/>
           </a:p>
@@ -5910,93 +6071,43 @@
       </p:sp>
       <p:sp>
         <p:nvSpPr>
-          <p:cNvPr id="3" name="Espace réservé du contenu 2"/>
-          <p:cNvSpPr>
-            <a:spLocks noGrp="1"/>
-          </p:cNvSpPr>
-          <p:nvPr>
-            <p:ph idx="1"/>
-          </p:nvPr>
-        </p:nvSpPr>
-        <p:spPr/>
-        <p:txBody>
-          <a:bodyPr/>
+          <p:cNvPr id="3" name="ZoneTexte 2"/>
+          <p:cNvSpPr txBox="1"/>
+          <p:nvPr/>
+        </p:nvSpPr>
+        <p:spPr>
+          <a:xfrm>
+            <a:off x="877394" y="4941168"/>
+            <a:ext cx="6840760" cy="369332"/>
+          </a:xfrm>
+          <a:prstGeom prst="rect">
+            <a:avLst/>
+          </a:prstGeom>
+        </p:spPr>
+        <p:style>
+          <a:lnRef idx="1">
+            <a:schemeClr val="accent2"/>
+          </a:lnRef>
+          <a:fillRef idx="3">
+            <a:schemeClr val="accent2"/>
+          </a:fillRef>
+          <a:effectRef idx="2">
+            <a:schemeClr val="accent2"/>
+          </a:effectRef>
+          <a:fontRef idx="minor">
+            <a:schemeClr val="lt1"/>
+          </a:fontRef>
+        </p:style>
+        <p:txBody>
+          <a:bodyPr wrap="square" rtlCol="0">
+            <a:spAutoFit/>
+          </a:bodyPr>
           <a:lstStyle/>
           <a:p>
             <a:r>
               <a:rPr lang="fr-FR" dirty="0" smtClean="0"/>
-              <a:t>Nombreux livrables réalisés</a:t>
-            </a:r>
-            <a:endParaRPr lang="fr-FR" dirty="0"/>
-          </a:p>
-          <a:p>
-            <a:r>
-              <a:rPr lang="fr-FR" dirty="0" smtClean="0"/>
-              <a:t>Formalisation du travail réalisé depuis Septembre</a:t>
-            </a:r>
-            <a:endParaRPr lang="fr-FR" dirty="0"/>
-          </a:p>
-          <a:p>
-            <a:r>
-              <a:rPr lang="fr-FR" dirty="0" smtClean="0"/>
-              <a:t>Quelques études à faire, avancement prometteur</a:t>
-            </a:r>
-            <a:endParaRPr lang="fr-FR" dirty="0"/>
-          </a:p>
-          <a:p>
-            <a:pPr marL="114300" lvl="0" indent="0">
-              <a:buNone/>
-            </a:pPr>
-            <a:endParaRPr lang="fr-FR" dirty="0" smtClean="0"/>
-          </a:p>
-          <a:p>
-            <a:pPr marL="114300" lvl="0" indent="0">
-              <a:buNone/>
-            </a:pPr>
-            <a:r>
-              <a:rPr lang="fr-FR" sz="4000" dirty="0" smtClean="0"/>
-              <a:t>Objectifs</a:t>
-            </a:r>
-          </a:p>
-          <a:p>
-            <a:pPr marL="114300" lvl="0" indent="0">
-              <a:buNone/>
-            </a:pPr>
-            <a:endParaRPr lang="fr-FR" dirty="0" smtClean="0"/>
-          </a:p>
-          <a:p>
-            <a:pPr lvl="0"/>
-            <a:r>
-              <a:rPr lang="fr-FR" dirty="0" smtClean="0"/>
-              <a:t>Réalisation </a:t>
-            </a:r>
-            <a:r>
-              <a:rPr lang="fr-FR" dirty="0"/>
-              <a:t>de tous les scénarios</a:t>
-            </a:r>
-          </a:p>
-          <a:p>
-            <a:pPr lvl="0"/>
-            <a:r>
-              <a:rPr lang="fr-FR" dirty="0"/>
-              <a:t>Spécification de la partie Etude</a:t>
-            </a:r>
-          </a:p>
-          <a:p>
-            <a:pPr lvl="0"/>
-            <a:r>
-              <a:rPr lang="fr-FR" dirty="0"/>
-              <a:t>Implémentation des rapports SAS/Jasper dans le projet Java</a:t>
-            </a:r>
-          </a:p>
-          <a:p>
-            <a:pPr lvl="0"/>
-            <a:r>
-              <a:rPr lang="fr-FR" dirty="0"/>
-              <a:t>Etude sur l’utilisation d’un cube</a:t>
-            </a:r>
-          </a:p>
-          <a:p>
+              <a:t>Objectif : Développement de l’application</a:t>
+            </a:r>
             <a:endParaRPr lang="fr-FR" dirty="0"/>
           </a:p>
         </p:txBody>
@@ -6004,7 +6115,129 @@
     </p:spTree>
     <p:extLst>
       <p:ext uri="{BB962C8B-B14F-4D97-AF65-F5344CB8AC3E}">
-        <p14:creationId xmlns:p14="http://schemas.microsoft.com/office/powerpoint/2010/main" val="2339519903"/>
+        <p14:creationId xmlns:p14="http://schemas.microsoft.com/office/powerpoint/2010/main" xmlns="" val="2279178242"/>
+      </p:ext>
+    </p:extLst>
+  </p:cSld>
+  <p:clrMapOvr>
+    <a:masterClrMapping/>
+  </p:clrMapOvr>
+  <p:timing>
+    <p:tnLst>
+      <p:par>
+        <p:cTn id="1" dur="indefinite" restart="never" nodeType="tmRoot"/>
+      </p:par>
+    </p:tnLst>
+  </p:timing>
+</p:sld>
+</file>
+
+<file path=ppt/slides/slide19.xml><?xml version="1.0" encoding="utf-8"?>
+<p:sld xmlns:a="http://schemas.openxmlformats.org/drawingml/2006/main" xmlns:r="http://schemas.openxmlformats.org/officeDocument/2006/relationships" xmlns:p="http://schemas.openxmlformats.org/presentationml/2006/main">
+  <p:cSld>
+    <p:spTree>
+      <p:nvGrpSpPr>
+        <p:cNvPr id="1" name=""/>
+        <p:cNvGrpSpPr/>
+        <p:nvPr/>
+      </p:nvGrpSpPr>
+      <p:grpSpPr>
+        <a:xfrm>
+          <a:off x="0" y="0"/>
+          <a:ext cx="0" cy="0"/>
+          <a:chOff x="0" y="0"/>
+          <a:chExt cx="0" cy="0"/>
+        </a:xfrm>
+      </p:grpSpPr>
+      <p:sp>
+        <p:nvSpPr>
+          <p:cNvPr id="2" name="Titre 1"/>
+          <p:cNvSpPr>
+            <a:spLocks noGrp="1"/>
+          </p:cNvSpPr>
+          <p:nvPr>
+            <p:ph type="title"/>
+          </p:nvPr>
+        </p:nvSpPr>
+        <p:spPr/>
+        <p:txBody>
+          <a:bodyPr/>
+          <a:lstStyle/>
+          <a:p>
+            <a:r>
+              <a:rPr lang="fr-FR" dirty="0" smtClean="0"/>
+              <a:t>Architecture</a:t>
+            </a:r>
+            <a:endParaRPr lang="fr-FR" dirty="0"/>
+          </a:p>
+        </p:txBody>
+      </p:sp>
+      <p:sp>
+        <p:nvSpPr>
+          <p:cNvPr id="3" name="Espace réservé du contenu 2"/>
+          <p:cNvSpPr>
+            <a:spLocks noGrp="1"/>
+          </p:cNvSpPr>
+          <p:nvPr>
+            <p:ph idx="1"/>
+          </p:nvPr>
+        </p:nvSpPr>
+        <p:spPr/>
+        <p:txBody>
+          <a:bodyPr/>
+          <a:lstStyle/>
+          <a:p>
+            <a:r>
+              <a:rPr lang="fr-FR" dirty="0" smtClean="0"/>
+              <a:t>Quelques bases</a:t>
+            </a:r>
+          </a:p>
+          <a:p>
+            <a:pPr lvl="1"/>
+            <a:r>
+              <a:rPr lang="fr-FR" dirty="0" smtClean="0"/>
+              <a:t>MVC</a:t>
+            </a:r>
+          </a:p>
+          <a:p>
+            <a:pPr lvl="1"/>
+            <a:r>
+              <a:rPr lang="fr-FR" dirty="0" smtClean="0"/>
+              <a:t>ORM</a:t>
+            </a:r>
+          </a:p>
+          <a:p>
+            <a:pPr lvl="1"/>
+            <a:endParaRPr lang="fr-FR" dirty="0"/>
+          </a:p>
+          <a:p>
+            <a:pPr lvl="1"/>
+            <a:endParaRPr lang="fr-FR" dirty="0" smtClean="0"/>
+          </a:p>
+          <a:p>
+            <a:pPr lvl="1"/>
+            <a:endParaRPr lang="fr-FR" dirty="0"/>
+          </a:p>
+          <a:p>
+            <a:r>
+              <a:rPr lang="fr-FR" dirty="0" smtClean="0"/>
+              <a:t>Préparation intégration projets Sas/Jasper</a:t>
+            </a:r>
+          </a:p>
+          <a:p>
+            <a:pPr lvl="1"/>
+            <a:endParaRPr lang="fr-FR" dirty="0"/>
+          </a:p>
+          <a:p>
+            <a:pPr lvl="1"/>
+            <a:endParaRPr lang="fr-FR" dirty="0" smtClean="0"/>
+          </a:p>
+        </p:txBody>
+      </p:sp>
+    </p:spTree>
+    <p:extLst>
+      <p:ext uri="{BB962C8B-B14F-4D97-AF65-F5344CB8AC3E}">
+        <p14:creationId xmlns:p14="http://schemas.microsoft.com/office/powerpoint/2010/main" xmlns="" val="744936782"/>
       </p:ext>
     </p:extLst>
   </p:cSld>
@@ -6143,7 +6376,160 @@
     </p:spTree>
     <p:extLst>
       <p:ext uri="{BB962C8B-B14F-4D97-AF65-F5344CB8AC3E}">
-        <p14:creationId xmlns:p14="http://schemas.microsoft.com/office/powerpoint/2010/main" val="1325746"/>
+        <p14:creationId xmlns:p14="http://schemas.microsoft.com/office/powerpoint/2010/main" xmlns="" val="1325746"/>
+      </p:ext>
+    </p:extLst>
+  </p:cSld>
+  <p:clrMapOvr>
+    <a:masterClrMapping/>
+  </p:clrMapOvr>
+  <p:timing>
+    <p:tnLst>
+      <p:par>
+        <p:cTn id="1" dur="indefinite" restart="never" nodeType="tmRoot"/>
+      </p:par>
+    </p:tnLst>
+  </p:timing>
+</p:sld>
+</file>
+
+<file path=ppt/slides/slide20.xml><?xml version="1.0" encoding="utf-8"?>
+<p:sld xmlns:a="http://schemas.openxmlformats.org/drawingml/2006/main" xmlns:r="http://schemas.openxmlformats.org/officeDocument/2006/relationships" xmlns:p="http://schemas.openxmlformats.org/presentationml/2006/main">
+  <p:cSld>
+    <p:spTree>
+      <p:nvGrpSpPr>
+        <p:cNvPr id="1" name=""/>
+        <p:cNvGrpSpPr/>
+        <p:nvPr/>
+      </p:nvGrpSpPr>
+      <p:grpSpPr>
+        <a:xfrm>
+          <a:off x="0" y="0"/>
+          <a:ext cx="0" cy="0"/>
+          <a:chOff x="0" y="0"/>
+          <a:chExt cx="0" cy="0"/>
+        </a:xfrm>
+      </p:grpSpPr>
+      <p:sp>
+        <p:nvSpPr>
+          <p:cNvPr id="2" name="Titre 1"/>
+          <p:cNvSpPr>
+            <a:spLocks noGrp="1"/>
+          </p:cNvSpPr>
+          <p:nvPr>
+            <p:ph type="title"/>
+          </p:nvPr>
+        </p:nvSpPr>
+        <p:spPr/>
+        <p:txBody>
+          <a:bodyPr/>
+          <a:lstStyle/>
+          <a:p>
+            <a:r>
+              <a:rPr lang="fr-FR" dirty="0" smtClean="0"/>
+              <a:t>Bilan</a:t>
+            </a:r>
+            <a:endParaRPr lang="fr-FR" dirty="0"/>
+          </a:p>
+        </p:txBody>
+      </p:sp>
+      <p:sp>
+        <p:nvSpPr>
+          <p:cNvPr id="3" name="Espace réservé du contenu 2"/>
+          <p:cNvSpPr>
+            <a:spLocks noGrp="1"/>
+          </p:cNvSpPr>
+          <p:nvPr>
+            <p:ph idx="1"/>
+          </p:nvPr>
+        </p:nvSpPr>
+        <p:spPr/>
+        <p:txBody>
+          <a:bodyPr/>
+          <a:lstStyle/>
+          <a:p>
+            <a:r>
+              <a:rPr lang="fr-FR" dirty="0" smtClean="0"/>
+              <a:t>Nombreux livrables réalisés</a:t>
+            </a:r>
+            <a:endParaRPr lang="fr-FR" dirty="0"/>
+          </a:p>
+          <a:p>
+            <a:r>
+              <a:rPr lang="fr-FR" dirty="0" smtClean="0"/>
+              <a:t>Formalisation du travail réalisé depuis Septembre</a:t>
+            </a:r>
+            <a:endParaRPr lang="fr-FR" dirty="0"/>
+          </a:p>
+          <a:p>
+            <a:r>
+              <a:rPr lang="fr-FR" dirty="0" smtClean="0"/>
+              <a:t>Quelques études à faire, avancement prometteur</a:t>
+            </a:r>
+            <a:endParaRPr lang="fr-FR" dirty="0"/>
+          </a:p>
+          <a:p>
+            <a:pPr marL="114300" lvl="0" indent="0">
+              <a:buNone/>
+            </a:pPr>
+            <a:endParaRPr lang="fr-FR" dirty="0" smtClean="0"/>
+          </a:p>
+          <a:p>
+            <a:pPr marL="114300" lvl="0" indent="0">
+              <a:buNone/>
+            </a:pPr>
+            <a:r>
+              <a:rPr lang="fr-FR" sz="4000" dirty="0" smtClean="0"/>
+              <a:t>Objectifs</a:t>
+            </a:r>
+          </a:p>
+          <a:p>
+            <a:pPr marL="114300" lvl="0" indent="0">
+              <a:buNone/>
+            </a:pPr>
+            <a:endParaRPr lang="fr-FR" dirty="0" smtClean="0"/>
+          </a:p>
+          <a:p>
+            <a:pPr lvl="0"/>
+            <a:r>
+              <a:rPr lang="fr-FR" dirty="0" smtClean="0"/>
+              <a:t>Réalisation </a:t>
+            </a:r>
+            <a:r>
+              <a:rPr lang="fr-FR" dirty="0"/>
+              <a:t>de tous les scénarios</a:t>
+            </a:r>
+          </a:p>
+          <a:p>
+            <a:pPr lvl="0"/>
+            <a:r>
+              <a:rPr lang="fr-FR" dirty="0"/>
+              <a:t>Spécification de la partie Etude</a:t>
+            </a:r>
+          </a:p>
+          <a:p>
+            <a:pPr lvl="0"/>
+            <a:r>
+              <a:rPr lang="fr-FR" dirty="0"/>
+              <a:t>Implémentation des rapports SAS/Jasper dans le projet Java</a:t>
+            </a:r>
+          </a:p>
+          <a:p>
+            <a:pPr lvl="0"/>
+            <a:r>
+              <a:rPr lang="fr-FR" dirty="0"/>
+              <a:t>Etude sur l’utilisation d’un cube</a:t>
+            </a:r>
+          </a:p>
+          <a:p>
+            <a:endParaRPr lang="fr-FR" dirty="0"/>
+          </a:p>
+        </p:txBody>
+      </p:sp>
+    </p:spTree>
+    <p:extLst>
+      <p:ext uri="{BB962C8B-B14F-4D97-AF65-F5344CB8AC3E}">
+        <p14:creationId xmlns:p14="http://schemas.microsoft.com/office/powerpoint/2010/main" xmlns="" val="2339519903"/>
       </p:ext>
     </p:extLst>
   </p:cSld>
@@ -6207,7 +6593,7 @@
           <p:nvPr>
             <p:extLst>
               <p:ext uri="{D42A27DB-BD31-4B8C-83A1-F6EECF244321}">
-                <p14:modId xmlns:p14="http://schemas.microsoft.com/office/powerpoint/2010/main" val="4253009743"/>
+                <p14:modId xmlns:p14="http://schemas.microsoft.com/office/powerpoint/2010/main" xmlns="" val="4253009743"/>
               </p:ext>
             </p:extLst>
           </p:nvPr>
@@ -6244,7 +6630,7 @@
     </p:spTree>
     <p:extLst>
       <p:ext uri="{BB962C8B-B14F-4D97-AF65-F5344CB8AC3E}">
-        <p14:creationId xmlns:p14="http://schemas.microsoft.com/office/powerpoint/2010/main" val="1337857689"/>
+        <p14:creationId xmlns:p14="http://schemas.microsoft.com/office/powerpoint/2010/main" xmlns="" val="1337857689"/>
       </p:ext>
     </p:extLst>
   </p:cSld>
@@ -6361,7 +6747,7 @@
     </p:spTree>
     <p:extLst>
       <p:ext uri="{BB962C8B-B14F-4D97-AF65-F5344CB8AC3E}">
-        <p14:creationId xmlns:p14="http://schemas.microsoft.com/office/powerpoint/2010/main" val="3958864537"/>
+        <p14:creationId xmlns:p14="http://schemas.microsoft.com/office/powerpoint/2010/main" xmlns="" val="3958864537"/>
       </p:ext>
     </p:extLst>
   </p:cSld>
@@ -6470,7 +6856,7 @@
     </p:spTree>
     <p:extLst>
       <p:ext uri="{BB962C8B-B14F-4D97-AF65-F5344CB8AC3E}">
-        <p14:creationId xmlns:p14="http://schemas.microsoft.com/office/powerpoint/2010/main" val="524100059"/>
+        <p14:creationId xmlns:p14="http://schemas.microsoft.com/office/powerpoint/2010/main" xmlns="" val="524100059"/>
       </p:ext>
     </p:extLst>
   </p:cSld>
@@ -6919,7 +7305,7 @@
     </p:spTree>
     <p:extLst>
       <p:ext uri="{BB962C8B-B14F-4D97-AF65-F5344CB8AC3E}">
-        <p14:creationId xmlns:p14="http://schemas.microsoft.com/office/powerpoint/2010/main" val="2567362781"/>
+        <p14:creationId xmlns:p14="http://schemas.microsoft.com/office/powerpoint/2010/main" xmlns="" val="2567362781"/>
       </p:ext>
     </p:extLst>
   </p:cSld>

--- a/PROJET/Presentation/PRE_15-12-10_V2.pptx
+++ b/PROJET/Presentation/PRE_15-12-10_V2.pptx
@@ -131,18 +131,40 @@
 
 <file path=ppt/charts/chart1.xml><?xml version="1.0" encoding="utf-8"?>
 <c:chartSpace xmlns:c="http://schemas.openxmlformats.org/drawingml/2006/chart" xmlns:a="http://schemas.openxmlformats.org/drawingml/2006/main" xmlns:r="http://schemas.openxmlformats.org/officeDocument/2006/relationships">
+  <c:date1904 val="0"/>
   <c:lang val="fr-FR"/>
-  <c:style val="18"/>
+  <c:roundedCorners val="0"/>
+  <mc:AlternateContent xmlns:mc="http://schemas.openxmlformats.org/markup-compatibility/2006">
+    <mc:Choice xmlns:c14="http://schemas.microsoft.com/office/drawing/2007/8/2/chart" Requires="c14">
+      <c14:style val="118"/>
+    </mc:Choice>
+    <mc:Fallback>
+      <c:style val="18"/>
+    </mc:Fallback>
+  </mc:AlternateContent>
   <c:chart>
     <c:autoTitleDeleted val="1"/>
     <c:view3D>
+      <c:rotX val="15"/>
+      <c:rotY val="20"/>
+      <c:rAngAx val="0"/>
       <c:perspective val="30"/>
     </c:view3D>
+    <c:floor>
+      <c:thickness val="0"/>
+    </c:floor>
+    <c:sideWall>
+      <c:thickness val="0"/>
+    </c:sideWall>
+    <c:backWall>
+      <c:thickness val="0"/>
+    </c:backWall>
     <c:plotArea>
       <c:layout/>
       <c:bar3DChart>
         <c:barDir val="bar"/>
         <c:grouping val="clustered"/>
+        <c:varyColors val="0"/>
         <c:ser>
           <c:idx val="0"/>
           <c:order val="0"/>
@@ -157,6 +179,7 @@
               </c:strCache>
             </c:strRef>
           </c:tx>
+          <c:invertIfNegative val="0"/>
           <c:cat>
             <c:strRef>
               <c:f>Feuil1!$A$2:$A$8</c:f>
@@ -231,6 +254,7 @@
               </c:strCache>
             </c:strRef>
           </c:tx>
+          <c:invertIfNegative val="0"/>
           <c:cat>
             <c:strRef>
               <c:f>Feuil1!$A$2:$A$8</c:f>
@@ -305,6 +329,7 @@
               </c:strCache>
             </c:strRef>
           </c:tx>
+          <c:invertIfNegative val="0"/>
           <c:cat>
             <c:strRef>
               <c:f>Feuil1!$A$2:$A$8</c:f>
@@ -366,29 +391,38 @@
           </c:val>
         </c:ser>
         <c:dLbls>
+          <c:showLegendKey val="0"/>
           <c:showVal val="1"/>
+          <c:showCatName val="0"/>
+          <c:showSerName val="0"/>
+          <c:showPercent val="0"/>
+          <c:showBubbleSize val="0"/>
         </c:dLbls>
+        <c:gapWidth val="150"/>
         <c:shape val="box"/>
-        <c:axId val="92539136"/>
-        <c:axId val="92553216"/>
+        <c:axId val="4936448"/>
+        <c:axId val="4937984"/>
         <c:axId val="0"/>
       </c:bar3DChart>
       <c:catAx>
-        <c:axId val="92539136"/>
+        <c:axId val="4936448"/>
         <c:scaling>
           <c:orientation val="minMax"/>
         </c:scaling>
+        <c:delete val="0"/>
         <c:axPos val="l"/>
         <c:majorTickMark val="none"/>
+        <c:minorTickMark val="none"/>
         <c:tickLblPos val="nextTo"/>
-        <c:crossAx val="92553216"/>
+        <c:crossAx val="4937984"/>
         <c:crosses val="autoZero"/>
         <c:auto val="1"/>
         <c:lblAlgn val="ctr"/>
         <c:lblOffset val="100"/>
+        <c:noMultiLvlLbl val="0"/>
       </c:catAx>
       <c:valAx>
-        <c:axId val="92553216"/>
+        <c:axId val="4937984"/>
         <c:scaling>
           <c:orientation val="minMax"/>
         </c:scaling>
@@ -396,8 +430,9 @@
         <c:axPos val="b"/>
         <c:numFmt formatCode="0.0" sourceLinked="1"/>
         <c:majorTickMark val="none"/>
+        <c:minorTickMark val="none"/>
         <c:tickLblPos val="none"/>
-        <c:crossAx val="92539136"/>
+        <c:crossAx val="4936448"/>
         <c:crosses val="autoZero"/>
         <c:crossBetween val="between"/>
       </c:valAx>
@@ -405,11 +440,15 @@
     <c:legend>
       <c:legendPos val="t"/>
       <c:layout/>
+      <c:overlay val="0"/>
     </c:legend>
     <c:plotVisOnly val="1"/>
     <c:dispBlanksAs val="gap"/>
+    <c:showDLblsOverMax val="0"/>
   </c:chart>
-  <c:externalData r:id="rId1"/>
+  <c:externalData r:id="rId1">
+    <c:autoUpdate val="0"/>
+  </c:externalData>
 </c:chartSpace>
 </file>
 
@@ -665,7 +704,7 @@
     </p:spTree>
     <p:extLst>
       <p:ext uri="{BB962C8B-B14F-4D97-AF65-F5344CB8AC3E}">
-        <p14:creationId xmlns:p14="http://schemas.microsoft.com/office/powerpoint/2010/main" xmlns="" val="1493265261"/>
+        <p14:creationId xmlns:p14="http://schemas.microsoft.com/office/powerpoint/2010/main" val="1493265261"/>
       </p:ext>
     </p:extLst>
   </p:cSld>
@@ -840,7 +879,7 @@
     </p:spTree>
     <p:extLst>
       <p:ext uri="{BB962C8B-B14F-4D97-AF65-F5344CB8AC3E}">
-        <p14:creationId xmlns:p14="http://schemas.microsoft.com/office/powerpoint/2010/main" xmlns="" val="2030216051"/>
+        <p14:creationId xmlns:p14="http://schemas.microsoft.com/office/powerpoint/2010/main" val="2030216051"/>
       </p:ext>
     </p:extLst>
   </p:cSld>
@@ -925,7 +964,7 @@
     </p:spTree>
     <p:extLst>
       <p:ext uri="{BB962C8B-B14F-4D97-AF65-F5344CB8AC3E}">
-        <p14:creationId xmlns="" xmlns:p14="http://schemas.microsoft.com/office/powerpoint/2010/main" val="835572826"/>
+        <p14:creationId xmlns:p14="http://schemas.microsoft.com/office/powerpoint/2010/main" val="835572826"/>
       </p:ext>
     </p:extLst>
   </p:cSld>
@@ -1010,7 +1049,7 @@
     </p:spTree>
     <p:extLst>
       <p:ext uri="{BB962C8B-B14F-4D97-AF65-F5344CB8AC3E}">
-        <p14:creationId xmlns:p14="http://schemas.microsoft.com/office/powerpoint/2010/main" xmlns="" val="835572826"/>
+        <p14:creationId xmlns:p14="http://schemas.microsoft.com/office/powerpoint/2010/main" val="835572826"/>
       </p:ext>
     </p:extLst>
   </p:cSld>
@@ -1095,7 +1134,7 @@
     </p:spTree>
     <p:extLst>
       <p:ext uri="{BB962C8B-B14F-4D97-AF65-F5344CB8AC3E}">
-        <p14:creationId xmlns:p14="http://schemas.microsoft.com/office/powerpoint/2010/main" xmlns="" val="835572826"/>
+        <p14:creationId xmlns:p14="http://schemas.microsoft.com/office/powerpoint/2010/main" val="835572826"/>
       </p:ext>
     </p:extLst>
   </p:cSld>
@@ -1180,7 +1219,7 @@
     </p:spTree>
     <p:extLst>
       <p:ext uri="{BB962C8B-B14F-4D97-AF65-F5344CB8AC3E}">
-        <p14:creationId xmlns:p14="http://schemas.microsoft.com/office/powerpoint/2010/main" xmlns="" val="1436837154"/>
+        <p14:creationId xmlns:p14="http://schemas.microsoft.com/office/powerpoint/2010/main" val="1436837154"/>
       </p:ext>
     </p:extLst>
   </p:cSld>
@@ -1265,7 +1304,7 @@
     </p:spTree>
     <p:extLst>
       <p:ext uri="{BB962C8B-B14F-4D97-AF65-F5344CB8AC3E}">
-        <p14:creationId xmlns:p14="http://schemas.microsoft.com/office/powerpoint/2010/main" xmlns="" val="2883505231"/>
+        <p14:creationId xmlns:p14="http://schemas.microsoft.com/office/powerpoint/2010/main" val="2883505231"/>
       </p:ext>
     </p:extLst>
   </p:cSld>
@@ -1350,7 +1389,7 @@
     </p:spTree>
     <p:extLst>
       <p:ext uri="{BB962C8B-B14F-4D97-AF65-F5344CB8AC3E}">
-        <p14:creationId xmlns:p14="http://schemas.microsoft.com/office/powerpoint/2010/main" xmlns="" val="3193691238"/>
+        <p14:creationId xmlns:p14="http://schemas.microsoft.com/office/powerpoint/2010/main" val="3193691238"/>
       </p:ext>
     </p:extLst>
   </p:cSld>
@@ -1435,7 +1474,7 @@
     </p:spTree>
     <p:extLst>
       <p:ext uri="{BB962C8B-B14F-4D97-AF65-F5344CB8AC3E}">
-        <p14:creationId xmlns:p14="http://schemas.microsoft.com/office/powerpoint/2010/main" xmlns="" val="835572826"/>
+        <p14:creationId xmlns:p14="http://schemas.microsoft.com/office/powerpoint/2010/main" val="835572826"/>
       </p:ext>
     </p:extLst>
   </p:cSld>
@@ -1520,7 +1559,7 @@
     </p:spTree>
     <p:extLst>
       <p:ext uri="{BB962C8B-B14F-4D97-AF65-F5344CB8AC3E}">
-        <p14:creationId xmlns:p14="http://schemas.microsoft.com/office/powerpoint/2010/main" xmlns="" val="1938524456"/>
+        <p14:creationId xmlns:p14="http://schemas.microsoft.com/office/powerpoint/2010/main" val="1938524456"/>
       </p:ext>
     </p:extLst>
   </p:cSld>
@@ -1605,7 +1644,7 @@
     </p:spTree>
     <p:extLst>
       <p:ext uri="{BB962C8B-B14F-4D97-AF65-F5344CB8AC3E}">
-        <p14:creationId xmlns:p14="http://schemas.microsoft.com/office/powerpoint/2010/main" xmlns="" val="3302549185"/>
+        <p14:creationId xmlns:p14="http://schemas.microsoft.com/office/powerpoint/2010/main" val="3302549185"/>
       </p:ext>
     </p:extLst>
   </p:cSld>
@@ -1690,7 +1729,7 @@
     </p:spTree>
     <p:extLst>
       <p:ext uri="{BB962C8B-B14F-4D97-AF65-F5344CB8AC3E}">
-        <p14:creationId xmlns:p14="http://schemas.microsoft.com/office/powerpoint/2010/main" xmlns="" val="3680462072"/>
+        <p14:creationId xmlns:p14="http://schemas.microsoft.com/office/powerpoint/2010/main" val="3680462072"/>
       </p:ext>
     </p:extLst>
   </p:cSld>
@@ -1775,7 +1814,7 @@
     </p:spTree>
     <p:extLst>
       <p:ext uri="{BB962C8B-B14F-4D97-AF65-F5344CB8AC3E}">
-        <p14:creationId xmlns:p14="http://schemas.microsoft.com/office/powerpoint/2010/main" xmlns="" val="835572826"/>
+        <p14:creationId xmlns:p14="http://schemas.microsoft.com/office/powerpoint/2010/main" val="835572826"/>
       </p:ext>
     </p:extLst>
   </p:cSld>
@@ -4937,7 +4976,7 @@
     </p:spTree>
     <p:extLst>
       <p:ext uri="{BB962C8B-B14F-4D97-AF65-F5344CB8AC3E}">
-        <p14:creationId xmlns:p14="http://schemas.microsoft.com/office/powerpoint/2010/main" xmlns="" val="3269699347"/>
+        <p14:creationId xmlns:p14="http://schemas.microsoft.com/office/powerpoint/2010/main" val="3269699347"/>
       </p:ext>
     </p:extLst>
   </p:cSld>
@@ -5050,7 +5089,7 @@
     </p:spTree>
     <p:extLst>
       <p:ext uri="{BB962C8B-B14F-4D97-AF65-F5344CB8AC3E}">
-        <p14:creationId xmlns:p14="http://schemas.microsoft.com/office/powerpoint/2010/main" xmlns="" val="1748187907"/>
+        <p14:creationId xmlns:p14="http://schemas.microsoft.com/office/powerpoint/2010/main" val="1748187907"/>
       </p:ext>
     </p:extLst>
   </p:cSld>
@@ -5159,7 +5198,7 @@
     </p:spTree>
     <p:extLst>
       <p:ext uri="{BB962C8B-B14F-4D97-AF65-F5344CB8AC3E}">
-        <p14:creationId xmlns:p14="http://schemas.microsoft.com/office/powerpoint/2010/main" xmlns="" val="2780178568"/>
+        <p14:creationId xmlns:p14="http://schemas.microsoft.com/office/powerpoint/2010/main" val="2780178568"/>
       </p:ext>
     </p:extLst>
   </p:cSld>
@@ -5245,13 +5284,20 @@
     </p:spTree>
     <p:extLst>
       <p:ext uri="{BB962C8B-B14F-4D97-AF65-F5344CB8AC3E}">
-        <p14:creationId xmlns:p14="http://schemas.microsoft.com/office/powerpoint/2010/main" xmlns="" val="3492942045"/>
+        <p14:creationId xmlns:p14="http://schemas.microsoft.com/office/powerpoint/2010/main" val="3492942045"/>
       </p:ext>
     </p:extLst>
   </p:cSld>
   <p:clrMapOvr>
     <a:masterClrMapping/>
   </p:clrMapOvr>
+  <p:timing>
+    <p:tnLst>
+      <p:par>
+        <p:cTn id="1" dur="indefinite" restart="never" nodeType="tmRoot"/>
+      </p:par>
+    </p:tnLst>
+  </p:timing>
 </p:sld>
 </file>
 
@@ -5608,7 +5654,7 @@
     </p:spTree>
     <p:extLst>
       <p:ext uri="{BB962C8B-B14F-4D97-AF65-F5344CB8AC3E}">
-        <p14:creationId xmlns="" xmlns:p14="http://schemas.microsoft.com/office/powerpoint/2010/main" val="82885118"/>
+        <p14:creationId xmlns:p14="http://schemas.microsoft.com/office/powerpoint/2010/main" val="82885118"/>
       </p:ext>
     </p:extLst>
   </p:cSld>
@@ -5702,6 +5748,13 @@
   <p:clrMapOvr>
     <a:masterClrMapping/>
   </p:clrMapOvr>
+  <p:timing>
+    <p:tnLst>
+      <p:par>
+        <p:cTn id="1" dur="indefinite" restart="never" nodeType="tmRoot"/>
+      </p:par>
+    </p:tnLst>
+  </p:timing>
 </p:sld>
 </file>
 
@@ -5816,6 +5869,13 @@
   <p:clrMapOvr>
     <a:masterClrMapping/>
   </p:clrMapOvr>
+  <p:timing>
+    <p:tnLst>
+      <p:par>
+        <p:cTn id="1" dur="indefinite" restart="never" nodeType="tmRoot"/>
+      </p:par>
+    </p:tnLst>
+  </p:timing>
 </p:sld>
 </file>
 
@@ -5911,7 +5971,7 @@
     </p:spTree>
     <p:extLst>
       <p:ext uri="{BB962C8B-B14F-4D97-AF65-F5344CB8AC3E}">
-        <p14:creationId xmlns:p14="http://schemas.microsoft.com/office/powerpoint/2010/main" xmlns="" val="2279178242"/>
+        <p14:creationId xmlns:p14="http://schemas.microsoft.com/office/powerpoint/2010/main" val="2279178242"/>
       </p:ext>
     </p:extLst>
   </p:cSld>
@@ -6006,7 +6066,7 @@
     </p:spTree>
     <p:extLst>
       <p:ext uri="{BB962C8B-B14F-4D97-AF65-F5344CB8AC3E}">
-        <p14:creationId xmlns:p14="http://schemas.microsoft.com/office/powerpoint/2010/main" xmlns="" val="4017583197"/>
+        <p14:creationId xmlns:p14="http://schemas.microsoft.com/office/powerpoint/2010/main" val="4017583197"/>
       </p:ext>
     </p:extLst>
   </p:cSld>
@@ -6115,7 +6175,7 @@
     </p:spTree>
     <p:extLst>
       <p:ext uri="{BB962C8B-B14F-4D97-AF65-F5344CB8AC3E}">
-        <p14:creationId xmlns:p14="http://schemas.microsoft.com/office/powerpoint/2010/main" xmlns="" val="2279178242"/>
+        <p14:creationId xmlns:p14="http://schemas.microsoft.com/office/powerpoint/2010/main" val="2279178242"/>
       </p:ext>
     </p:extLst>
   </p:cSld>
@@ -6237,7 +6297,7 @@
     </p:spTree>
     <p:extLst>
       <p:ext uri="{BB962C8B-B14F-4D97-AF65-F5344CB8AC3E}">
-        <p14:creationId xmlns:p14="http://schemas.microsoft.com/office/powerpoint/2010/main" xmlns="" val="744936782"/>
+        <p14:creationId xmlns:p14="http://schemas.microsoft.com/office/powerpoint/2010/main" val="744936782"/>
       </p:ext>
     </p:extLst>
   </p:cSld>
@@ -6376,7 +6436,7 @@
     </p:spTree>
     <p:extLst>
       <p:ext uri="{BB962C8B-B14F-4D97-AF65-F5344CB8AC3E}">
-        <p14:creationId xmlns:p14="http://schemas.microsoft.com/office/powerpoint/2010/main" xmlns="" val="1325746"/>
+        <p14:creationId xmlns:p14="http://schemas.microsoft.com/office/powerpoint/2010/main" val="1325746"/>
       </p:ext>
     </p:extLst>
   </p:cSld>
@@ -6529,7 +6589,7 @@
     </p:spTree>
     <p:extLst>
       <p:ext uri="{BB962C8B-B14F-4D97-AF65-F5344CB8AC3E}">
-        <p14:creationId xmlns:p14="http://schemas.microsoft.com/office/powerpoint/2010/main" xmlns="" val="2339519903"/>
+        <p14:creationId xmlns:p14="http://schemas.microsoft.com/office/powerpoint/2010/main" val="2339519903"/>
       </p:ext>
     </p:extLst>
   </p:cSld>
@@ -6593,7 +6653,7 @@
           <p:nvPr>
             <p:extLst>
               <p:ext uri="{D42A27DB-BD31-4B8C-83A1-F6EECF244321}">
-                <p14:modId xmlns:p14="http://schemas.microsoft.com/office/powerpoint/2010/main" xmlns="" val="4253009743"/>
+                <p14:modId xmlns:p14="http://schemas.microsoft.com/office/powerpoint/2010/main" val="4253009743"/>
               </p:ext>
             </p:extLst>
           </p:nvPr>
@@ -6618,7 +6678,12 @@
             <p:ph idx="1"/>
           </p:nvPr>
         </p:nvSpPr>
-        <p:spPr/>
+        <p:spPr>
+          <a:xfrm>
+            <a:off x="107504" y="1124744"/>
+            <a:ext cx="8784976" cy="5733256"/>
+          </a:xfrm>
+        </p:spPr>
         <p:txBody>
           <a:bodyPr/>
           <a:lstStyle/>
@@ -6630,7 +6695,7 @@
     </p:spTree>
     <p:extLst>
       <p:ext uri="{BB962C8B-B14F-4D97-AF65-F5344CB8AC3E}">
-        <p14:creationId xmlns:p14="http://schemas.microsoft.com/office/powerpoint/2010/main" xmlns="" val="1337857689"/>
+        <p14:creationId xmlns:p14="http://schemas.microsoft.com/office/powerpoint/2010/main" val="1337857689"/>
       </p:ext>
     </p:extLst>
   </p:cSld>
@@ -6747,7 +6812,7 @@
     </p:spTree>
     <p:extLst>
       <p:ext uri="{BB962C8B-B14F-4D97-AF65-F5344CB8AC3E}">
-        <p14:creationId xmlns:p14="http://schemas.microsoft.com/office/powerpoint/2010/main" xmlns="" val="3958864537"/>
+        <p14:creationId xmlns:p14="http://schemas.microsoft.com/office/powerpoint/2010/main" val="3958864537"/>
       </p:ext>
     </p:extLst>
   </p:cSld>
@@ -6856,7 +6921,7 @@
     </p:spTree>
     <p:extLst>
       <p:ext uri="{BB962C8B-B14F-4D97-AF65-F5344CB8AC3E}">
-        <p14:creationId xmlns:p14="http://schemas.microsoft.com/office/powerpoint/2010/main" xmlns="" val="524100059"/>
+        <p14:creationId xmlns:p14="http://schemas.microsoft.com/office/powerpoint/2010/main" val="524100059"/>
       </p:ext>
     </p:extLst>
   </p:cSld>
@@ -7305,7 +7370,7 @@
     </p:spTree>
     <p:extLst>
       <p:ext uri="{BB962C8B-B14F-4D97-AF65-F5344CB8AC3E}">
-        <p14:creationId xmlns:p14="http://schemas.microsoft.com/office/powerpoint/2010/main" xmlns="" val="2567362781"/>
+        <p14:creationId xmlns:p14="http://schemas.microsoft.com/office/powerpoint/2010/main" val="2567362781"/>
       </p:ext>
     </p:extLst>
   </p:cSld>
